--- a/AITraining/Fundamentals/Machine Learning/ML Accuracy + Confusion Matrix.pptx
+++ b/AITraining/Fundamentals/Machine Learning/ML Accuracy + Confusion Matrix.pptx
@@ -198,7 +198,7 @@
           <a:p>
             <a:fld id="{3D107EA7-2171-4F44-8749-7588FC3178D8}" type="datetimeFigureOut">
               <a:rPr lang="en-US" smtClean="0"/>
-              <a:t>11/11/2017</a:t>
+              <a:t>7/19/2018</a:t>
             </a:fld>
             <a:endParaRPr lang="en-US"/>
           </a:p>
@@ -648,7 +648,7 @@
             <a:fld id="{1D8BD707-D9CF-40AE-B4C6-C98DA3205C09}" type="datetimeFigureOut">
               <a:rPr lang="en-US" smtClean="0"/>
               <a:pPr/>
-              <a:t>11/11/2017</a:t>
+              <a:t>7/19/2018</a:t>
             </a:fld>
             <a:endParaRPr lang="en-US"/>
           </a:p>
@@ -815,7 +815,7 @@
             <a:fld id="{1D8BD707-D9CF-40AE-B4C6-C98DA3205C09}" type="datetimeFigureOut">
               <a:rPr lang="en-US" smtClean="0"/>
               <a:pPr/>
-              <a:t>11/11/2017</a:t>
+              <a:t>7/19/2018</a:t>
             </a:fld>
             <a:endParaRPr lang="en-US"/>
           </a:p>
@@ -992,7 +992,7 @@
             <a:fld id="{1D8BD707-D9CF-40AE-B4C6-C98DA3205C09}" type="datetimeFigureOut">
               <a:rPr lang="en-US" smtClean="0"/>
               <a:pPr/>
-              <a:t>11/11/2017</a:t>
+              <a:t>7/19/2018</a:t>
             </a:fld>
             <a:endParaRPr lang="en-US"/>
           </a:p>
@@ -1159,7 +1159,7 @@
             <a:fld id="{1D8BD707-D9CF-40AE-B4C6-C98DA3205C09}" type="datetimeFigureOut">
               <a:rPr lang="en-US" smtClean="0"/>
               <a:pPr/>
-              <a:t>11/11/2017</a:t>
+              <a:t>7/19/2018</a:t>
             </a:fld>
             <a:endParaRPr lang="en-US"/>
           </a:p>
@@ -1402,7 +1402,7 @@
             <a:fld id="{1D8BD707-D9CF-40AE-B4C6-C98DA3205C09}" type="datetimeFigureOut">
               <a:rPr lang="en-US" smtClean="0"/>
               <a:pPr/>
-              <a:t>11/11/2017</a:t>
+              <a:t>7/19/2018</a:t>
             </a:fld>
             <a:endParaRPr lang="en-US"/>
           </a:p>
@@ -1687,7 +1687,7 @@
             <a:fld id="{1D8BD707-D9CF-40AE-B4C6-C98DA3205C09}" type="datetimeFigureOut">
               <a:rPr lang="en-US" smtClean="0"/>
               <a:pPr/>
-              <a:t>11/11/2017</a:t>
+              <a:t>7/19/2018</a:t>
             </a:fld>
             <a:endParaRPr lang="en-US"/>
           </a:p>
@@ -2106,7 +2106,7 @@
             <a:fld id="{1D8BD707-D9CF-40AE-B4C6-C98DA3205C09}" type="datetimeFigureOut">
               <a:rPr lang="en-US" smtClean="0"/>
               <a:pPr/>
-              <a:t>11/11/2017</a:t>
+              <a:t>7/19/2018</a:t>
             </a:fld>
             <a:endParaRPr lang="en-US"/>
           </a:p>
@@ -2221,7 +2221,7 @@
             <a:fld id="{1D8BD707-D9CF-40AE-B4C6-C98DA3205C09}" type="datetimeFigureOut">
               <a:rPr lang="en-US" smtClean="0"/>
               <a:pPr/>
-              <a:t>11/11/2017</a:t>
+              <a:t>7/19/2018</a:t>
             </a:fld>
             <a:endParaRPr lang="en-US"/>
           </a:p>
@@ -2313,7 +2313,7 @@
             <a:fld id="{1D8BD707-D9CF-40AE-B4C6-C98DA3205C09}" type="datetimeFigureOut">
               <a:rPr lang="en-US" smtClean="0"/>
               <a:pPr/>
-              <a:t>11/11/2017</a:t>
+              <a:t>7/19/2018</a:t>
             </a:fld>
             <a:endParaRPr lang="en-US"/>
           </a:p>
@@ -2587,7 +2587,7 @@
             <a:fld id="{1D8BD707-D9CF-40AE-B4C6-C98DA3205C09}" type="datetimeFigureOut">
               <a:rPr lang="en-US" smtClean="0"/>
               <a:pPr/>
-              <a:t>11/11/2017</a:t>
+              <a:t>7/19/2018</a:t>
             </a:fld>
             <a:endParaRPr lang="en-US"/>
           </a:p>
@@ -2837,7 +2837,7 @@
             <a:fld id="{1D8BD707-D9CF-40AE-B4C6-C98DA3205C09}" type="datetimeFigureOut">
               <a:rPr lang="en-US" smtClean="0"/>
               <a:pPr/>
-              <a:t>11/11/2017</a:t>
+              <a:t>7/19/2018</a:t>
             </a:fld>
             <a:endParaRPr lang="en-US"/>
           </a:p>
@@ -3047,7 +3047,7 @@
             <a:fld id="{1D8BD707-D9CF-40AE-B4C6-C98DA3205C09}" type="datetimeFigureOut">
               <a:rPr lang="en-US" smtClean="0"/>
               <a:pPr/>
-              <a:t>11/11/2017</a:t>
+              <a:t>7/19/2018</a:t>
             </a:fld>
             <a:endParaRPr lang="en-US"/>
           </a:p>
@@ -6638,7 +6638,7 @@
         <p:spPr>
           <a:xfrm>
             <a:off x="2419350" y="4260008"/>
-            <a:ext cx="1869486" cy="307777"/>
+            <a:ext cx="1629100" cy="307777"/>
           </a:xfrm>
           <a:prstGeom prst="rect">
             <a:avLst/>
@@ -6659,17 +6659,27 @@
                   </a:schemeClr>
                 </a:solidFill>
               </a:rPr>
-              <a:t>Predicted Values (</a:t>
-            </a:r>
-            <a:r>
-              <a:rPr lang="en-US" sz="1400" dirty="0" err="1" smtClean="0">
+              <a:t>Predicted Values </a:t>
+            </a:r>
+            <a:r>
+              <a:rPr lang="en-US" sz="1400" dirty="0" smtClean="0">
                 <a:solidFill>
                   <a:schemeClr val="accent6">
                     <a:lumMod val="75000"/>
                   </a:schemeClr>
                 </a:solidFill>
               </a:rPr>
-              <a:t>yhat</a:t>
+              <a:t>(</a:t>
+            </a:r>
+            <a:r>
+              <a:rPr lang="cy-GB" sz="1400" dirty="0" smtClean="0">
+                <a:solidFill>
+                  <a:schemeClr val="accent6">
+                    <a:lumMod val="75000"/>
+                  </a:schemeClr>
+                </a:solidFill>
+              </a:rPr>
+              <a:t>ŷ</a:t>
             </a:r>
             <a:r>
               <a:rPr lang="en-US" sz="1400" dirty="0" smtClean="0">
@@ -7185,8 +7195,8 @@
           </a:p>
         </p:txBody>
       </p:sp>
-      <mc:AlternateContent xmlns:mc="http://schemas.openxmlformats.org/markup-compatibility/2006" xmlns:a14="http://schemas.microsoft.com/office/drawing/2010/main">
-        <mc:Choice Requires="a14">
+      <mc:AlternateContent xmlns:mc="http://schemas.openxmlformats.org/markup-compatibility/2006">
+        <mc:Choice xmlns:a14="http://schemas.microsoft.com/office/drawing/2010/main" Requires="a14">
           <p:sp>
             <p:nvSpPr>
               <p:cNvPr id="20" name="TextBox 19"/>
@@ -7196,7 +7206,7 @@
             <p:spPr>
               <a:xfrm>
                 <a:off x="3572523" y="5424550"/>
-                <a:ext cx="1986185" cy="879856"/>
+                <a:ext cx="1545295" cy="879856"/>
               </a:xfrm>
               <a:prstGeom prst="rect">
                 <a:avLst/>
@@ -7301,19 +7311,7 @@
                                 <a:rPr lang="en-US" b="0" i="1" smtClean="0">
                                   <a:latin typeface="Cambria Math"/>
                                 </a:rPr>
-                                <m:t>−</m:t>
-                              </m:r>
-                              <m:r>
-                                <a:rPr lang="en-US" b="0" i="1" smtClean="0">
-                                  <a:latin typeface="Cambria Math"/>
-                                </a:rPr>
-                                <m:t>𝑦h𝑎𝑡</m:t>
-                              </m:r>
-                              <m:r>
-                                <a:rPr lang="en-US" b="0" i="1" smtClean="0">
-                                  <a:latin typeface="Cambria Math"/>
-                                </a:rPr>
-                                <m:t>)</m:t>
+                                <m:t>−ŷ)</m:t>
                               </m:r>
                             </m:e>
                             <m:sup>
@@ -7335,7 +7333,7 @@
             </p:txBody>
           </p:sp>
         </mc:Choice>
-        <mc:Fallback xmlns="">
+        <mc:Fallback>
           <p:sp>
             <p:nvSpPr>
               <p:cNvPr id="20" name="TextBox 19"/>
@@ -7347,7 +7345,7 @@
             <p:spPr>
               <a:xfrm>
                 <a:off x="3572523" y="5424550"/>
-                <a:ext cx="1986185" cy="879856"/>
+                <a:ext cx="1545295" cy="879856"/>
               </a:xfrm>
               <a:prstGeom prst="rect">
                 <a:avLst/>
@@ -7493,7 +7491,7 @@
         <p:spPr>
           <a:xfrm>
             <a:off x="1219061" y="2796321"/>
-            <a:ext cx="867482" cy="307777"/>
+            <a:ext cx="627095" cy="307777"/>
           </a:xfrm>
           <a:prstGeom prst="rect">
             <a:avLst/>
@@ -7517,14 +7515,14 @@
               <a:t>(y – </a:t>
             </a:r>
             <a:r>
-              <a:rPr lang="en-US" sz="1400" dirty="0" err="1" smtClean="0">
+              <a:rPr lang="cy-GB" sz="1400" dirty="0" smtClean="0">
                 <a:solidFill>
                   <a:schemeClr val="accent6">
                     <a:lumMod val="75000"/>
                   </a:schemeClr>
                 </a:solidFill>
               </a:rPr>
-              <a:t>yhat</a:t>
+              <a:t>ŷ</a:t>
             </a:r>
             <a:r>
               <a:rPr lang="en-US" sz="1400" dirty="0" smtClean="0">
